--- a/Лекции/ИТиП лек 7.pptx
+++ b/Лекции/ИТиП лек 7.pptx
@@ -222,7 +222,7 @@
             <a:fld id="{AA2F9473-F066-431E-A6E8-1D478C995A6B}" type="datetimeFigureOut">
               <a:rPr lang="en-US" smtClean="0"/>
               <a:pPr/>
-              <a:t>11/27/2024</a:t>
+              <a:t>4/30/2025</a:t>
             </a:fld>
             <a:endParaRPr lang="en-US"/>
           </a:p>
@@ -1908,7 +1908,7 @@
           <p:cNvPr id="9" name="Номер слайда 3">
             <a:extLst>
               <a:ext uri="{FF2B5EF4-FFF2-40B4-BE49-F238E27FC236}">
-                <a16:creationId xmlns="" xmlns:a16="http://schemas.microsoft.com/office/drawing/2014/main" id="{3DF48714-7FE4-4364-BF9D-28B9C9E2979D}"/>
+                <a16:creationId xmlns:a16="http://schemas.microsoft.com/office/drawing/2014/main" xmlns="" id="{3DF48714-7FE4-4364-BF9D-28B9C9E2979D}"/>
               </a:ext>
             </a:extLst>
           </p:cNvPr>
@@ -2120,7 +2120,7 @@
           <p:cNvPr id="10" name="Номер слайда 3">
             <a:extLst>
               <a:ext uri="{FF2B5EF4-FFF2-40B4-BE49-F238E27FC236}">
-                <a16:creationId xmlns="" xmlns:a16="http://schemas.microsoft.com/office/drawing/2014/main" id="{3DF48714-7FE4-4364-BF9D-28B9C9E2979D}"/>
+                <a16:creationId xmlns:a16="http://schemas.microsoft.com/office/drawing/2014/main" xmlns="" id="{3DF48714-7FE4-4364-BF9D-28B9C9E2979D}"/>
               </a:ext>
             </a:extLst>
           </p:cNvPr>
@@ -2339,7 +2339,7 @@
           <p:cNvPr id="9" name="Номер слайда 3">
             <a:extLst>
               <a:ext uri="{FF2B5EF4-FFF2-40B4-BE49-F238E27FC236}">
-                <a16:creationId xmlns="" xmlns:a16="http://schemas.microsoft.com/office/drawing/2014/main" id="{3DF48714-7FE4-4364-BF9D-28B9C9E2979D}"/>
+                <a16:creationId xmlns:a16="http://schemas.microsoft.com/office/drawing/2014/main" xmlns="" id="{3DF48714-7FE4-4364-BF9D-28B9C9E2979D}"/>
               </a:ext>
             </a:extLst>
           </p:cNvPr>
@@ -2469,7 +2469,7 @@
           <p:cNvPr id="7" name="Номер слайда 3">
             <a:extLst>
               <a:ext uri="{FF2B5EF4-FFF2-40B4-BE49-F238E27FC236}">
-                <a16:creationId xmlns="" xmlns:a16="http://schemas.microsoft.com/office/drawing/2014/main" id="{3DF48714-7FE4-4364-BF9D-28B9C9E2979D}"/>
+                <a16:creationId xmlns:a16="http://schemas.microsoft.com/office/drawing/2014/main" xmlns="" id="{3DF48714-7FE4-4364-BF9D-28B9C9E2979D}"/>
               </a:ext>
             </a:extLst>
           </p:cNvPr>
@@ -2678,7 +2678,7 @@
           <p:cNvPr id="9" name="Номер слайда 3">
             <a:extLst>
               <a:ext uri="{FF2B5EF4-FFF2-40B4-BE49-F238E27FC236}">
-                <a16:creationId xmlns="" xmlns:a16="http://schemas.microsoft.com/office/drawing/2014/main" id="{3DF48714-7FE4-4364-BF9D-28B9C9E2979D}"/>
+                <a16:creationId xmlns:a16="http://schemas.microsoft.com/office/drawing/2014/main" xmlns="" id="{3DF48714-7FE4-4364-BF9D-28B9C9E2979D}"/>
               </a:ext>
             </a:extLst>
           </p:cNvPr>
@@ -2966,7 +2966,7 @@
           <p:cNvPr id="9" name="Номер слайда 3">
             <a:extLst>
               <a:ext uri="{FF2B5EF4-FFF2-40B4-BE49-F238E27FC236}">
-                <a16:creationId xmlns="" xmlns:a16="http://schemas.microsoft.com/office/drawing/2014/main" id="{3DF48714-7FE4-4364-BF9D-28B9C9E2979D}"/>
+                <a16:creationId xmlns:a16="http://schemas.microsoft.com/office/drawing/2014/main" xmlns="" id="{3DF48714-7FE4-4364-BF9D-28B9C9E2979D}"/>
               </a:ext>
             </a:extLst>
           </p:cNvPr>
@@ -3237,7 +3237,7 @@
           <p:cNvPr id="10" name="Номер слайда 3">
             <a:extLst>
               <a:ext uri="{FF2B5EF4-FFF2-40B4-BE49-F238E27FC236}">
-                <a16:creationId xmlns="" xmlns:a16="http://schemas.microsoft.com/office/drawing/2014/main" id="{3DF48714-7FE4-4364-BF9D-28B9C9E2979D}"/>
+                <a16:creationId xmlns:a16="http://schemas.microsoft.com/office/drawing/2014/main" xmlns="" id="{3DF48714-7FE4-4364-BF9D-28B9C9E2979D}"/>
               </a:ext>
             </a:extLst>
           </p:cNvPr>
@@ -3643,7 +3643,7 @@
           <p:cNvPr id="12" name="Номер слайда 3">
             <a:extLst>
               <a:ext uri="{FF2B5EF4-FFF2-40B4-BE49-F238E27FC236}">
-                <a16:creationId xmlns="" xmlns:a16="http://schemas.microsoft.com/office/drawing/2014/main" id="{3DF48714-7FE4-4364-BF9D-28B9C9E2979D}"/>
+                <a16:creationId xmlns:a16="http://schemas.microsoft.com/office/drawing/2014/main" xmlns="" id="{3DF48714-7FE4-4364-BF9D-28B9C9E2979D}"/>
               </a:ext>
             </a:extLst>
           </p:cNvPr>
@@ -3800,7 +3800,7 @@
           <p:cNvPr id="8" name="Номер слайда 3">
             <a:extLst>
               <a:ext uri="{FF2B5EF4-FFF2-40B4-BE49-F238E27FC236}">
-                <a16:creationId xmlns="" xmlns:a16="http://schemas.microsoft.com/office/drawing/2014/main" id="{3DF48714-7FE4-4364-BF9D-28B9C9E2979D}"/>
+                <a16:creationId xmlns:a16="http://schemas.microsoft.com/office/drawing/2014/main" xmlns="" id="{3DF48714-7FE4-4364-BF9D-28B9C9E2979D}"/>
               </a:ext>
             </a:extLst>
           </p:cNvPr>
@@ -3934,7 +3934,7 @@
           <p:cNvPr id="7" name="Номер слайда 3">
             <a:extLst>
               <a:ext uri="{FF2B5EF4-FFF2-40B4-BE49-F238E27FC236}">
-                <a16:creationId xmlns="" xmlns:a16="http://schemas.microsoft.com/office/drawing/2014/main" id="{3DF48714-7FE4-4364-BF9D-28B9C9E2979D}"/>
+                <a16:creationId xmlns:a16="http://schemas.microsoft.com/office/drawing/2014/main" xmlns="" id="{3DF48714-7FE4-4364-BF9D-28B9C9E2979D}"/>
               </a:ext>
             </a:extLst>
           </p:cNvPr>
@@ -4250,7 +4250,7 @@
           <p:cNvPr id="10" name="Номер слайда 3">
             <a:extLst>
               <a:ext uri="{FF2B5EF4-FFF2-40B4-BE49-F238E27FC236}">
-                <a16:creationId xmlns="" xmlns:a16="http://schemas.microsoft.com/office/drawing/2014/main" id="{3DF48714-7FE4-4364-BF9D-28B9C9E2979D}"/>
+                <a16:creationId xmlns:a16="http://schemas.microsoft.com/office/drawing/2014/main" xmlns="" id="{3DF48714-7FE4-4364-BF9D-28B9C9E2979D}"/>
               </a:ext>
             </a:extLst>
           </p:cNvPr>
@@ -4546,7 +4546,7 @@
           <p:cNvPr id="10" name="Номер слайда 3">
             <a:extLst>
               <a:ext uri="{FF2B5EF4-FFF2-40B4-BE49-F238E27FC236}">
-                <a16:creationId xmlns="" xmlns:a16="http://schemas.microsoft.com/office/drawing/2014/main" id="{3DF48714-7FE4-4364-BF9D-28B9C9E2979D}"/>
+                <a16:creationId xmlns:a16="http://schemas.microsoft.com/office/drawing/2014/main" xmlns="" id="{3DF48714-7FE4-4364-BF9D-28B9C9E2979D}"/>
               </a:ext>
             </a:extLst>
           </p:cNvPr>
@@ -4819,7 +4819,7 @@
           <p:cNvPr id="9" name="Номер слайда 3">
             <a:extLst>
               <a:ext uri="{FF2B5EF4-FFF2-40B4-BE49-F238E27FC236}">
-                <a16:creationId xmlns="" xmlns:a16="http://schemas.microsoft.com/office/drawing/2014/main" id="{3DF48714-7FE4-4364-BF9D-28B9C9E2979D}"/>
+                <a16:creationId xmlns:a16="http://schemas.microsoft.com/office/drawing/2014/main" xmlns="" id="{3DF48714-7FE4-4364-BF9D-28B9C9E2979D}"/>
               </a:ext>
             </a:extLst>
           </p:cNvPr>
@@ -5278,7 +5278,7 @@
           <p:cNvPr id="17" name="Заголовок 16">
             <a:extLst>
               <a:ext uri="{FF2B5EF4-FFF2-40B4-BE49-F238E27FC236}">
-                <a16:creationId xmlns="" xmlns:a16="http://schemas.microsoft.com/office/drawing/2014/main" id="{D630362D-1F09-46B4-9DE4-AEA483AC82FD}"/>
+                <a16:creationId xmlns:a16="http://schemas.microsoft.com/office/drawing/2014/main" xmlns="" id="{D630362D-1F09-46B4-9DE4-AEA483AC82FD}"/>
               </a:ext>
             </a:extLst>
           </p:cNvPr>
@@ -5494,7 +5494,7 @@
           <p:cNvPr id="12" name="TextBox 11">
             <a:extLst>
               <a:ext uri="{FF2B5EF4-FFF2-40B4-BE49-F238E27FC236}">
-                <a16:creationId xmlns="" xmlns:a16="http://schemas.microsoft.com/office/drawing/2014/main" id="{F7B00361-5492-4290-B470-295172C16526}"/>
+                <a16:creationId xmlns:a16="http://schemas.microsoft.com/office/drawing/2014/main" xmlns="" id="{F7B00361-5492-4290-B470-295172C16526}"/>
               </a:ext>
             </a:extLst>
           </p:cNvPr>
@@ -5543,19 +5543,7 @@
                 <a:latin typeface="Bookman Old Style" panose="02050604050505020204" pitchFamily="18" charset="0"/>
                 <a:cs typeface="Times New Roman" panose="02020603050405020304" pitchFamily="18" charset="0"/>
               </a:rPr>
-              <a:t>.</a:t>
-            </a:r>
-            <a:r>
-              <a:rPr lang="en-US" sz="2800" b="1" dirty="0" err="1" smtClean="0">
-                <a:solidFill>
-                  <a:schemeClr val="tx2">
-                    <a:lumMod val="50000"/>
-                  </a:schemeClr>
-                </a:solidFill>
-                <a:latin typeface="Bookman Old Style" panose="02050604050505020204" pitchFamily="18" charset="0"/>
-                <a:cs typeface="Times New Roman" panose="02020603050405020304" pitchFamily="18" charset="0"/>
-              </a:rPr>
-              <a:t>Net</a:t>
+              <a:t>.Net</a:t>
             </a:r>
             <a:endParaRPr lang="ru-RU" sz="2800" b="1" dirty="0" smtClean="0">
               <a:solidFill>
